--- a/99. Lecture note in ppt/9. Element property, 구조분해할당, JSON.pptx
+++ b/99. Lecture note in ppt/9. Element property, 구조분해할당, JSON.pptx
@@ -318,7 +318,7 @@
           <a:p>
             <a:fld id="{B2970B56-F379-468E-8C04-AC3274656B30}" type="datetimeFigureOut">
               <a:rPr lang="ko-KR" altLang="en-US" smtClean="0"/>
-              <a:t>2023-04-08</a:t>
+              <a:t>2023-04-16</a:t>
             </a:fld>
             <a:endParaRPr lang="ko-KR" altLang="en-US"/>
           </a:p>
@@ -486,7 +486,7 @@
           <a:p>
             <a:fld id="{B2970B56-F379-468E-8C04-AC3274656B30}" type="datetimeFigureOut">
               <a:rPr lang="ko-KR" altLang="en-US" smtClean="0"/>
-              <a:t>2023-04-08</a:t>
+              <a:t>2023-04-16</a:t>
             </a:fld>
             <a:endParaRPr lang="ko-KR" altLang="en-US"/>
           </a:p>
@@ -664,7 +664,7 @@
           <a:p>
             <a:fld id="{B2970B56-F379-468E-8C04-AC3274656B30}" type="datetimeFigureOut">
               <a:rPr lang="ko-KR" altLang="en-US" smtClean="0"/>
-              <a:t>2023-04-08</a:t>
+              <a:t>2023-04-16</a:t>
             </a:fld>
             <a:endParaRPr lang="ko-KR" altLang="en-US"/>
           </a:p>
@@ -832,7 +832,7 @@
           <a:p>
             <a:fld id="{B2970B56-F379-468E-8C04-AC3274656B30}" type="datetimeFigureOut">
               <a:rPr lang="ko-KR" altLang="en-US" smtClean="0"/>
-              <a:t>2023-04-08</a:t>
+              <a:t>2023-04-16</a:t>
             </a:fld>
             <a:endParaRPr lang="ko-KR" altLang="en-US"/>
           </a:p>
@@ -1077,7 +1077,7 @@
           <a:p>
             <a:fld id="{B2970B56-F379-468E-8C04-AC3274656B30}" type="datetimeFigureOut">
               <a:rPr lang="ko-KR" altLang="en-US" smtClean="0"/>
-              <a:t>2023-04-08</a:t>
+              <a:t>2023-04-16</a:t>
             </a:fld>
             <a:endParaRPr lang="ko-KR" altLang="en-US"/>
           </a:p>
@@ -1306,7 +1306,7 @@
           <a:p>
             <a:fld id="{B2970B56-F379-468E-8C04-AC3274656B30}" type="datetimeFigureOut">
               <a:rPr lang="ko-KR" altLang="en-US" smtClean="0"/>
-              <a:t>2023-04-08</a:t>
+              <a:t>2023-04-16</a:t>
             </a:fld>
             <a:endParaRPr lang="ko-KR" altLang="en-US"/>
           </a:p>
@@ -1670,7 +1670,7 @@
           <a:p>
             <a:fld id="{B2970B56-F379-468E-8C04-AC3274656B30}" type="datetimeFigureOut">
               <a:rPr lang="ko-KR" altLang="en-US" smtClean="0"/>
-              <a:t>2023-04-08</a:t>
+              <a:t>2023-04-16</a:t>
             </a:fld>
             <a:endParaRPr lang="ko-KR" altLang="en-US"/>
           </a:p>
@@ -1787,7 +1787,7 @@
           <a:p>
             <a:fld id="{B2970B56-F379-468E-8C04-AC3274656B30}" type="datetimeFigureOut">
               <a:rPr lang="ko-KR" altLang="en-US" smtClean="0"/>
-              <a:t>2023-04-08</a:t>
+              <a:t>2023-04-16</a:t>
             </a:fld>
             <a:endParaRPr lang="ko-KR" altLang="en-US"/>
           </a:p>
@@ -1882,7 +1882,7 @@
           <a:p>
             <a:fld id="{B2970B56-F379-468E-8C04-AC3274656B30}" type="datetimeFigureOut">
               <a:rPr lang="ko-KR" altLang="en-US" smtClean="0"/>
-              <a:t>2023-04-08</a:t>
+              <a:t>2023-04-16</a:t>
             </a:fld>
             <a:endParaRPr lang="ko-KR" altLang="en-US"/>
           </a:p>
@@ -2157,7 +2157,7 @@
           <a:p>
             <a:fld id="{B2970B56-F379-468E-8C04-AC3274656B30}" type="datetimeFigureOut">
               <a:rPr lang="ko-KR" altLang="en-US" smtClean="0"/>
-              <a:t>2023-04-08</a:t>
+              <a:t>2023-04-16</a:t>
             </a:fld>
             <a:endParaRPr lang="ko-KR" altLang="en-US"/>
           </a:p>
@@ -2409,7 +2409,7 @@
           <a:p>
             <a:fld id="{B2970B56-F379-468E-8C04-AC3274656B30}" type="datetimeFigureOut">
               <a:rPr lang="ko-KR" altLang="en-US" smtClean="0"/>
-              <a:t>2023-04-08</a:t>
+              <a:t>2023-04-16</a:t>
             </a:fld>
             <a:endParaRPr lang="ko-KR" altLang="en-US"/>
           </a:p>
@@ -2620,7 +2620,7 @@
           <a:p>
             <a:fld id="{B2970B56-F379-468E-8C04-AC3274656B30}" type="datetimeFigureOut">
               <a:rPr lang="ko-KR" altLang="en-US" smtClean="0"/>
-              <a:t>2023-04-08</a:t>
+              <a:t>2023-04-16</a:t>
             </a:fld>
             <a:endParaRPr lang="ko-KR" altLang="en-US"/>
           </a:p>
